--- a/PPT/MLG Capstone Presentation - Final v4.pptx
+++ b/PPT/MLG Capstone Presentation - Final v4.pptx
@@ -1652,7 +1652,7 @@
                 <a:schemeClr val="bg1"/>
               </a:solidFill>
             </a:rPr>
-            <a:t>For Evaluation of Context Generation Techniques</a:t>
+            <a:t>For Context Generation Techniques</a:t>
           </a:r>
         </a:p>
       </dgm:t>
@@ -1714,7 +1714,7 @@
           </a:pPr>
           <a:r>
             <a:rPr lang="en-US" sz="1200" dirty="0"/>
-            <a:t>Built a custom question-answer pair JSON file on a random Wikipedia article.</a:t>
+            <a:t>Training: Entire article text.</a:t>
           </a:r>
         </a:p>
       </dgm:t>
@@ -1776,7 +1776,7 @@
           </a:pPr>
           <a:r>
             <a:rPr lang="en-US" sz="1200" dirty="0"/>
-            <a:t>100 randomly selected question-</a:t>
+            <a:t>Evaluation: Self-created JSON file with 100 randomly selected question-</a:t>
           </a:r>
           <a:r>
             <a:rPr lang="en-US" sz="1200" dirty="0" err="1"/>
@@ -1784,7 +1784,7 @@
           </a:r>
           <a:r>
             <a:rPr lang="en-US" sz="1200" dirty="0"/>
-            <a:t> pairs were used to validate against the context generation models.</a:t>
+            <a:t> pairs.</a:t>
           </a:r>
         </a:p>
       </dgm:t>
@@ -1839,7 +1839,7 @@
                 <a:schemeClr val="bg1"/>
               </a:solidFill>
             </a:rPr>
-            <a:t>For Evaluation/Comparison of Answer Extraction Models</a:t>
+            <a:t>For Answer Extraction Models</a:t>
           </a:r>
         </a:p>
       </dgm:t>
@@ -2396,7 +2396,7 @@
           </a:pPr>
           <a:r>
             <a:rPr lang="en-US" sz="1200" kern="1200" dirty="0"/>
-            <a:t>Built a custom question-answer pair JSON file on a random Wikipedia article.</a:t>
+            <a:t>Training: Entire article text.</a:t>
           </a:r>
         </a:p>
         <a:p>
@@ -2415,7 +2415,7 @@
           </a:pPr>
           <a:r>
             <a:rPr lang="en-US" sz="1200" kern="1200" dirty="0"/>
-            <a:t>100 randomly selected question-</a:t>
+            <a:t>Evaluation: Self-created JSON file with 100 randomly selected question-</a:t>
           </a:r>
           <a:r>
             <a:rPr lang="en-US" sz="1200" kern="1200" dirty="0" err="1"/>
@@ -2423,7 +2423,7 @@
           </a:r>
           <a:r>
             <a:rPr lang="en-US" sz="1200" kern="1200" dirty="0"/>
-            <a:t> pairs were used to validate against the context generation models.</a:t>
+            <a:t> pairs.</a:t>
           </a:r>
         </a:p>
       </dsp:txBody>
@@ -2523,7 +2523,7 @@
                 <a:schemeClr val="bg1"/>
               </a:solidFill>
             </a:rPr>
-            <a:t>For Evaluation of Context Generation Techniques</a:t>
+            <a:t>For Context Generation Techniques</a:t>
           </a:r>
         </a:p>
       </dsp:txBody>
@@ -2746,7 +2746,7 @@
                 <a:schemeClr val="bg1"/>
               </a:solidFill>
             </a:rPr>
-            <a:t>For Evaluation/Comparison of Answer Extraction Models</a:t>
+            <a:t>For Answer Extraction Models</a:t>
           </a:r>
         </a:p>
       </dsp:txBody>
@@ -9335,7 +9335,7 @@
           <a:graphicData uri="http://schemas.openxmlformats.org/presentationml/2006/ole">
             <mc:AlternateContent xmlns:mc="http://schemas.openxmlformats.org/markup-compatibility/2006">
               <mc:Choice xmlns:v="urn:schemas-microsoft-com:vml" Requires="v">
-                <p:oleObj spid="_x0000_s2137" name="think-cell Slide" r:id="rId4" imgW="473" imgH="473" progId="TCLayout.ActiveDocument.1">
+                <p:oleObj spid="_x0000_s2144" name="think-cell Slide" r:id="rId4" imgW="473" imgH="473" progId="TCLayout.ActiveDocument.1">
                   <p:embed/>
                 </p:oleObj>
               </mc:Choice>
@@ -11561,7 +11561,7 @@
           <a:graphicData uri="http://schemas.openxmlformats.org/presentationml/2006/ole">
             <mc:AlternateContent xmlns:mc="http://schemas.openxmlformats.org/markup-compatibility/2006">
               <mc:Choice xmlns:v="urn:schemas-microsoft-com:vml" Requires="v">
-                <p:oleObj spid="_x0000_s3161" name="think-cell Slide" r:id="rId4" imgW="473" imgH="473" progId="TCLayout.ActiveDocument.1">
+                <p:oleObj spid="_x0000_s3168" name="think-cell Slide" r:id="rId4" imgW="473" imgH="473" progId="TCLayout.ActiveDocument.1">
                   <p:embed/>
                 </p:oleObj>
               </mc:Choice>
@@ -17776,7 +17776,7 @@
           <a:graphicData uri="http://schemas.openxmlformats.org/presentationml/2006/ole">
             <mc:AlternateContent xmlns:mc="http://schemas.openxmlformats.org/markup-compatibility/2006">
               <mc:Choice xmlns:v="urn:schemas-microsoft-com:vml" Requires="v">
-                <p:oleObj spid="_x0000_s4185" name="think-cell Slide" r:id="rId4" imgW="473" imgH="473" progId="TCLayout.ActiveDocument.1">
+                <p:oleObj spid="_x0000_s4192" name="think-cell Slide" r:id="rId4" imgW="473" imgH="473" progId="TCLayout.ActiveDocument.1">
                   <p:embed/>
                 </p:oleObj>
               </mc:Choice>
@@ -28560,7 +28560,7 @@
           <a:graphicData uri="http://schemas.openxmlformats.org/presentationml/2006/ole">
             <mc:AlternateContent xmlns:mc="http://schemas.openxmlformats.org/markup-compatibility/2006">
               <mc:Choice xmlns:v="urn:schemas-microsoft-com:vml" Requires="v">
-                <p:oleObj spid="_x0000_s1114" name="think-cell Slide" r:id="rId47" imgW="270" imgH="270" progId="TCLayout.ActiveDocument.1">
+                <p:oleObj spid="_x0000_s1121" name="think-cell Slide" r:id="rId47" imgW="270" imgH="270" progId="TCLayout.ActiveDocument.1">
                   <p:embed/>
                 </p:oleObj>
               </mc:Choice>
@@ -29525,6 +29525,47 @@
           </a:prstGeom>
         </p:spPr>
       </p:pic>
+      <p:sp>
+        <p:nvSpPr>
+          <p:cNvPr id="2" name="TextBox 1">
+            <a:extLst>
+              <a:ext uri="{FF2B5EF4-FFF2-40B4-BE49-F238E27FC236}">
+                <a16:creationId xmlns:a16="http://schemas.microsoft.com/office/drawing/2014/main" id="{F771B9FE-DB3E-4820-8FC5-C54EC414E131}"/>
+              </a:ext>
+            </a:extLst>
+          </p:cNvPr>
+          <p:cNvSpPr txBox="1"/>
+          <p:nvPr/>
+        </p:nvSpPr>
+        <p:spPr>
+          <a:xfrm>
+            <a:off x="258490" y="1031232"/>
+            <a:ext cx="5837510" cy="215444"/>
+          </a:xfrm>
+          <a:prstGeom prst="rect">
+            <a:avLst/>
+          </a:prstGeom>
+          <a:noFill/>
+        </p:spPr>
+        <p:txBody>
+          <a:bodyPr vert="horz" wrap="square" lIns="0" tIns="0" rIns="0" bIns="0" rtlCol="0">
+            <a:spAutoFit/>
+          </a:bodyPr>
+          <a:lstStyle/>
+          <a:p>
+            <a:pPr>
+              <a:spcBef>
+                <a:spcPts val="200"/>
+              </a:spcBef>
+              <a:buSzPct val="100000"/>
+            </a:pPr>
+            <a:r>
+              <a:rPr lang="en-US" sz="1400" dirty="0"/>
+              <a:t>Find the tokens with the highest ‘start’ and ‘end’ scores.</a:t>
+            </a:r>
+          </a:p>
+        </p:txBody>
+      </p:sp>
     </p:spTree>
     <p:extLst>
       <p:ext uri="{BB962C8B-B14F-4D97-AF65-F5344CB8AC3E}">
@@ -30259,7 +30300,7 @@
             </a:ln>
             <a:extLst>
               <a:ext uri="{91240B29-F687-4f45-9708-019B960494DF}">
-                <a14:hiddenLine xmlns:a14="http://schemas.microsoft.com/office/drawing/2010/main" xmlns="" w="9525">
+                <a14:hiddenLine xmlns="" xmlns:a14="http://schemas.microsoft.com/office/drawing/2010/main" w="9525">
                   <a:solidFill>
                     <a:srgbClr val="000000"/>
                   </a:solidFill>
@@ -30714,7 +30755,7 @@
             </a:ln>
             <a:extLst>
               <a:ext uri="{91240B29-F687-4f45-9708-019B960494DF}">
-                <a14:hiddenLine xmlns:a14="http://schemas.microsoft.com/office/drawing/2010/main" xmlns="" w="9525">
+                <a14:hiddenLine xmlns="" xmlns:a14="http://schemas.microsoft.com/office/drawing/2010/main" w="9525">
                   <a:solidFill>
                     <a:srgbClr val="000000"/>
                   </a:solidFill>
@@ -31839,7 +31880,7 @@
             </a:ln>
             <a:extLst>
               <a:ext uri="{91240B29-F687-4f45-9708-019B960494DF}">
-                <a14:hiddenLine xmlns:a14="http://schemas.microsoft.com/office/drawing/2010/main" xmlns="" w="9525">
+                <a14:hiddenLine xmlns="" xmlns:a14="http://schemas.microsoft.com/office/drawing/2010/main" w="9525">
                   <a:solidFill>
                     <a:srgbClr val="000000"/>
                   </a:solidFill>
@@ -32110,7 +32151,7 @@
             </a:ln>
             <a:extLst>
               <a:ext uri="{91240B29-F687-4f45-9708-019B960494DF}">
-                <a14:hiddenLine xmlns:a14="http://schemas.microsoft.com/office/drawing/2010/main" xmlns="" w="9525">
+                <a14:hiddenLine xmlns="" xmlns:a14="http://schemas.microsoft.com/office/drawing/2010/main" w="9525">
                   <a:solidFill>
                     <a:srgbClr val="000000"/>
                   </a:solidFill>
@@ -32206,7 +32247,7 @@
             </a:ln>
             <a:extLst>
               <a:ext uri="{91240B29-F687-4f45-9708-019B960494DF}">
-                <a14:hiddenLine xmlns:a14="http://schemas.microsoft.com/office/drawing/2010/main" xmlns="" w="9525">
+                <a14:hiddenLine xmlns="" xmlns:a14="http://schemas.microsoft.com/office/drawing/2010/main" w="9525">
                   <a:solidFill>
                     <a:srgbClr val="000000"/>
                   </a:solidFill>
@@ -32987,13 +33028,8 @@
             </a:pPr>
             <a:r>
               <a:rPr lang="en-US" sz="1600" noProof="0" dirty="0"/>
-              <a:t>To </a:t>
-            </a:r>
-            <a:r>
-              <a:rPr lang="en-US" sz="1600" dirty="0"/>
-              <a:t>contribute in making ML more accessible through web or Android apps.</a:t>
-            </a:r>
-            <a:endParaRPr lang="en-US" sz="1600" noProof="0" dirty="0"/>
+              <a:t>To develop ML-driven web or mobile apps and contribute in making ML more accessible.</a:t>
+            </a:r>
           </a:p>
           <a:p>
             <a:pPr marL="285750" indent="-285750">
@@ -33001,16 +33037,9 @@
               <a:buChar char="•"/>
             </a:pPr>
             <a:r>
-              <a:rPr lang="en-US" sz="1600" noProof="0" dirty="0"/>
-              <a:t>To be capable of narrating the story behind </a:t>
-            </a:r>
-            <a:r>
               <a:rPr lang="en-US" sz="1600" dirty="0"/>
-              <a:t>the data/modeling to the stakeholders and to contribute to making ML more interpretable.</a:t>
-            </a:r>
-          </a:p>
-          <a:p>
-            <a:endParaRPr lang="en-US" noProof="0" dirty="0"/>
+              <a:t>To be capable of narrating the story behind the data/modeling to the stakeholders and to contribute in making ML more interpretable.</a:t>
+            </a:r>
           </a:p>
         </p:txBody>
       </p:sp>
@@ -34097,7 +34126,7 @@
           <p:nvPr>
             <p:extLst>
               <p:ext uri="{D42A27DB-BD31-4B8C-83A1-F6EECF244321}">
-                <p14:modId xmlns:p14="http://schemas.microsoft.com/office/powerpoint/2010/main" val="1501623539"/>
+                <p14:modId xmlns:p14="http://schemas.microsoft.com/office/powerpoint/2010/main" val="2671413718"/>
               </p:ext>
             </p:extLst>
           </p:nvPr>
@@ -40762,7 +40791,7 @@
           <p:nvPr>
             <p:extLst>
               <p:ext uri="{D42A27DB-BD31-4B8C-83A1-F6EECF244321}">
-                <p14:modId xmlns:p14="http://schemas.microsoft.com/office/powerpoint/2010/main" val="1972966170"/>
+                <p14:modId xmlns:p14="http://schemas.microsoft.com/office/powerpoint/2010/main" val="2677824500"/>
               </p:ext>
             </p:extLst>
           </p:nvPr>
@@ -45303,8 +45332,8 @@
         </p:nvSpPr>
         <p:spPr>
           <a:xfrm>
-            <a:off x="8482789" y="2301295"/>
-            <a:ext cx="1412965" cy="677108"/>
+            <a:off x="8389952" y="2504500"/>
+            <a:ext cx="1412965" cy="507831"/>
           </a:xfrm>
           <a:prstGeom prst="rect">
             <a:avLst/>
@@ -45325,7 +45354,7 @@
             </a:pPr>
             <a:r>
               <a:rPr lang="en-US" sz="1100" dirty="0"/>
-              <a:t>Map 0s for Segment A and 1s for Segment B tokens</a:t>
+              <a:t>Map 0s for Context tokens and 1s for Question tokens</a:t>
             </a:r>
           </a:p>
         </p:txBody>
@@ -46167,7 +46196,7 @@
         </p:nvSpPr>
         <p:spPr bwMode="blackWhite">
           <a:xfrm rot="16200000">
-            <a:off x="10712118" y="5337762"/>
+            <a:off x="10630513" y="5337762"/>
             <a:ext cx="917753" cy="929740"/>
           </a:xfrm>
           <a:prstGeom prst="ellipse">
@@ -46281,7 +46310,7 @@
         </p:nvCxnSpPr>
         <p:spPr>
           <a:xfrm flipH="1" flipV="1">
-            <a:off x="11170992" y="4700291"/>
+            <a:off x="11089389" y="4698277"/>
             <a:ext cx="2" cy="612786"/>
           </a:xfrm>
           <a:prstGeom prst="line">
@@ -48807,18 +48836,18 @@
 </file>
 
 <file path=customXml/item1.xml><?xml version="1.0" encoding="utf-8"?>
+<p:properties xmlns:p="http://schemas.microsoft.com/office/2006/metadata/properties" xmlns:xsi="http://www.w3.org/2001/XMLSchema-instance" xmlns:pc="http://schemas.microsoft.com/office/infopath/2007/PartnerControls">
+  <documentManagement/>
+</p:properties>
+</file>
+
+<file path=customXml/item2.xml><?xml version="1.0" encoding="utf-8"?>
 <?mso-contentType ?>
 <FormTemplates xmlns="http://schemas.microsoft.com/sharepoint/v3/contenttype/forms">
   <Display>DocumentLibraryForm</Display>
   <Edit>DocumentLibraryForm</Edit>
   <New>DocumentLibraryForm</New>
 </FormTemplates>
-</file>
-
-<file path=customXml/item2.xml><?xml version="1.0" encoding="utf-8"?>
-<p:properties xmlns:p="http://schemas.microsoft.com/office/2006/metadata/properties" xmlns:xsi="http://www.w3.org/2001/XMLSchema-instance" xmlns:pc="http://schemas.microsoft.com/office/infopath/2007/PartnerControls">
-  <documentManagement/>
-</p:properties>
 </file>
 
 <file path=customXml/item3.xml><?xml version="1.0" encoding="utf-8"?>
@@ -49025,14 +49054,6 @@
 </file>
 
 <file path=customXml/itemProps1.xml><?xml version="1.0" encoding="utf-8"?>
-<ds:datastoreItem xmlns:ds="http://schemas.openxmlformats.org/officeDocument/2006/customXml" ds:itemID="{17598B6F-21C7-46B5-B45C-5A91A8F2B868}">
-  <ds:schemaRefs>
-    <ds:schemaRef ds:uri="http://schemas.microsoft.com/sharepoint/v3/contenttype/forms"/>
-  </ds:schemaRefs>
-</ds:datastoreItem>
-</file>
-
-<file path=customXml/itemProps2.xml><?xml version="1.0" encoding="utf-8"?>
 <ds:datastoreItem xmlns:ds="http://schemas.openxmlformats.org/officeDocument/2006/customXml" ds:itemID="{F48113ED-4CA2-465C-9998-CEF7F23421D3}">
   <ds:schemaRefs>
     <ds:schemaRef ds:uri="6ba7e38e-ddf0-4724-a2d5-9b4fb54c860d"/>
@@ -49045,6 +49066,14 @@
     <ds:schemaRef ds:uri="9932b51f-831c-4be5-9e70-4d4f57939b5a"/>
     <ds:schemaRef ds:uri="http://www.w3.org/XML/1998/namespace"/>
     <ds:schemaRef ds:uri="http://purl.org/dc/dcmitype/"/>
+  </ds:schemaRefs>
+</ds:datastoreItem>
+</file>
+
+<file path=customXml/itemProps2.xml><?xml version="1.0" encoding="utf-8"?>
+<ds:datastoreItem xmlns:ds="http://schemas.openxmlformats.org/officeDocument/2006/customXml" ds:itemID="{17598B6F-21C7-46B5-B45C-5A91A8F2B868}">
+  <ds:schemaRefs>
+    <ds:schemaRef ds:uri="http://schemas.microsoft.com/sharepoint/v3/contenttype/forms"/>
   </ds:schemaRefs>
 </ds:datastoreItem>
 </file>
